--- a/Docs/Building multilanguage Reports in Power BI.pptx
+++ b/Docs/Building multilanguage Reports in Power BI.pptx
@@ -15,20 +15,20 @@
     <p:sldId id="302" r:id="rId6"/>
     <p:sldId id="289" r:id="rId7"/>
     <p:sldId id="293" r:id="rId8"/>
-    <p:sldId id="307" r:id="rId9"/>
-    <p:sldId id="303" r:id="rId10"/>
-    <p:sldId id="291" r:id="rId11"/>
-    <p:sldId id="304" r:id="rId12"/>
-    <p:sldId id="294" r:id="rId13"/>
-    <p:sldId id="305" r:id="rId14"/>
-    <p:sldId id="306" r:id="rId15"/>
-    <p:sldId id="295" r:id="rId16"/>
+    <p:sldId id="300" r:id="rId9"/>
+    <p:sldId id="301" r:id="rId10"/>
+    <p:sldId id="307" r:id="rId11"/>
+    <p:sldId id="303" r:id="rId12"/>
+    <p:sldId id="291" r:id="rId13"/>
+    <p:sldId id="304" r:id="rId14"/>
+    <p:sldId id="295" r:id="rId15"/>
+    <p:sldId id="294" r:id="rId16"/>
     <p:sldId id="297" r:id="rId17"/>
     <p:sldId id="299" r:id="rId18"/>
-    <p:sldId id="300" r:id="rId19"/>
-    <p:sldId id="301" r:id="rId20"/>
+    <p:sldId id="305" r:id="rId19"/>
+    <p:sldId id="308" r:id="rId20"/>
     <p:sldId id="290" r:id="rId21"/>
-    <p:sldId id="308" r:id="rId22"/>
+    <p:sldId id="306" r:id="rId22"/>
   </p:sldIdLst>
   <p:sldSz cx="12436475" cy="6994525"/>
   <p:notesSz cx="7010400" cy="9296400"/>
@@ -468,7 +468,7 @@
           <a:p>
             <a:fld id="{DCE60099-03E7-4FA1-8A7F-E6E6CFB0F855}" type="datetime8">
               <a:rPr lang="en-US" smtClean="0"/>
-              <a:t>5/13/2021 1:48 PM</a:t>
+              <a:t>5/15/2021 6:54 AM</a:t>
             </a:fld>
             <a:endParaRPr lang="en-US"/>
           </a:p>
@@ -4252,7 +4252,7 @@
           <a:p>
             <a:pPr>
               <a:buFont typeface="Wingdings" panose="05000000000000000000" pitchFamily="2" charset="2"/>
-              <a:buChar char="ü"/>
+              <a:buChar char="Ø"/>
             </a:pPr>
             <a:r>
               <a:rPr lang="en-US" dirty="0"/>
@@ -4260,10 +4260,6 @@
             </a:r>
           </a:p>
           <a:p>
-            <a:pPr>
-              <a:buFont typeface="Wingdings" panose="05000000000000000000" pitchFamily="2" charset="2"/>
-              <a:buChar char="Ø"/>
-            </a:pPr>
             <a:r>
               <a:rPr lang="en-US" dirty="0"/>
               <a:t>Embedding Reports with Specific Locales</a:t>
@@ -4274,7 +4270,7 @@
     </p:spTree>
     <p:extLst>
       <p:ext uri="{BB962C8B-B14F-4D97-AF65-F5344CB8AC3E}">
-        <p14:creationId xmlns:p14="http://schemas.microsoft.com/office/powerpoint/2010/main" val="1916952403"/>
+        <p14:creationId xmlns:p14="http://schemas.microsoft.com/office/powerpoint/2010/main" val="1938902918"/>
       </p:ext>
     </p:extLst>
   </p:cSld>
@@ -4288,144 +4284,6 @@
 </file>
 
 <file path=ppt/slides/slide11.xml><?xml version="1.0" encoding="utf-8"?>
-<p:sld xmlns:a="http://schemas.openxmlformats.org/drawingml/2006/main" xmlns:r="http://schemas.openxmlformats.org/officeDocument/2006/relationships" xmlns:p="http://schemas.openxmlformats.org/presentationml/2006/main">
-  <p:cSld>
-    <p:spTree>
-      <p:nvGrpSpPr>
-        <p:cNvPr id="1" name=""/>
-        <p:cNvGrpSpPr/>
-        <p:nvPr/>
-      </p:nvGrpSpPr>
-      <p:grpSpPr>
-        <a:xfrm>
-          <a:off x="0" y="0"/>
-          <a:ext cx="0" cy="0"/>
-          <a:chOff x="0" y="0"/>
-          <a:chExt cx="0" cy="0"/>
-        </a:xfrm>
-      </p:grpSpPr>
-      <p:sp>
-        <p:nvSpPr>
-          <p:cNvPr id="2" name="Title 1">
-            <a:extLst>
-              <a:ext uri="{FF2B5EF4-FFF2-40B4-BE49-F238E27FC236}">
-                <a16:creationId xmlns:a16="http://schemas.microsoft.com/office/drawing/2014/main" id="{24FAAB21-A74A-4AA3-9DC6-7F5A21D404AB}"/>
-              </a:ext>
-            </a:extLst>
-          </p:cNvPr>
-          <p:cNvSpPr>
-            <a:spLocks noGrp="1"/>
-          </p:cNvSpPr>
-          <p:nvPr>
-            <p:ph type="title"/>
-          </p:nvPr>
-        </p:nvSpPr>
-        <p:spPr/>
-        <p:txBody>
-          <a:bodyPr/>
-          <a:lstStyle/>
-          <a:p>
-            <a:r>
-              <a:rPr lang="en-US" dirty="0"/>
-              <a:t>Summary</a:t>
-            </a:r>
-          </a:p>
-        </p:txBody>
-      </p:sp>
-      <p:sp>
-        <p:nvSpPr>
-          <p:cNvPr id="3" name="Content Placeholder 2">
-            <a:extLst>
-              <a:ext uri="{FF2B5EF4-FFF2-40B4-BE49-F238E27FC236}">
-                <a16:creationId xmlns:a16="http://schemas.microsoft.com/office/drawing/2014/main" id="{D831C1B3-327D-4DB3-A0FC-8BD9CAECBA02}"/>
-              </a:ext>
-            </a:extLst>
-          </p:cNvPr>
-          <p:cNvSpPr>
-            <a:spLocks noGrp="1"/>
-          </p:cNvSpPr>
-          <p:nvPr>
-            <p:ph type="body" sz="quarter" idx="10"/>
-          </p:nvPr>
-        </p:nvSpPr>
-        <p:spPr>
-          <a:xfrm>
-            <a:off x="491613" y="1227439"/>
-            <a:ext cx="11624185" cy="2862322"/>
-          </a:xfrm>
-        </p:spPr>
-        <p:txBody>
-          <a:bodyPr/>
-          <a:lstStyle/>
-          <a:p>
-            <a:pPr>
-              <a:buFont typeface="Wingdings" panose="05000000000000000000" pitchFamily="2" charset="2"/>
-              <a:buChar char="ü"/>
-            </a:pPr>
-            <a:r>
-              <a:rPr lang="en-US" dirty="0"/>
-              <a:t>Introduction to Multi-language Report Design</a:t>
-            </a:r>
-          </a:p>
-          <a:p>
-            <a:pPr>
-              <a:buFont typeface="Wingdings" panose="05000000000000000000" pitchFamily="2" charset="2"/>
-              <a:buChar char="ü"/>
-            </a:pPr>
-            <a:r>
-              <a:rPr lang="en-US" dirty="0"/>
-              <a:t>Programming Translations with TOM</a:t>
-            </a:r>
-          </a:p>
-          <a:p>
-            <a:pPr>
-              <a:buFont typeface="Wingdings" panose="05000000000000000000" pitchFamily="2" charset="2"/>
-              <a:buChar char="ü"/>
-            </a:pPr>
-            <a:r>
-              <a:rPr lang="en-US" dirty="0"/>
-              <a:t>Designing Workflows to Manage Translations</a:t>
-            </a:r>
-          </a:p>
-          <a:p>
-            <a:pPr>
-              <a:buFont typeface="Wingdings" panose="05000000000000000000" pitchFamily="2" charset="2"/>
-              <a:buChar char="ü"/>
-            </a:pPr>
-            <a:r>
-              <a:rPr lang="en-US" dirty="0"/>
-              <a:t>Multi-language Report Design with Translations</a:t>
-            </a:r>
-          </a:p>
-          <a:p>
-            <a:pPr>
-              <a:buFont typeface="Wingdings" panose="05000000000000000000" pitchFamily="2" charset="2"/>
-              <a:buChar char="ü"/>
-            </a:pPr>
-            <a:r>
-              <a:rPr lang="en-US" dirty="0"/>
-              <a:t>Embedding Reports with Specific Locales</a:t>
-            </a:r>
-          </a:p>
-        </p:txBody>
-      </p:sp>
-    </p:spTree>
-    <p:extLst>
-      <p:ext uri="{BB962C8B-B14F-4D97-AF65-F5344CB8AC3E}">
-        <p14:creationId xmlns:p14="http://schemas.microsoft.com/office/powerpoint/2010/main" val="2628130328"/>
-      </p:ext>
-    </p:extLst>
-  </p:cSld>
-  <p:clrMapOvr>
-    <a:masterClrMapping/>
-  </p:clrMapOvr>
-  <p:transition>
-    <p:fade/>
-  </p:transition>
-</p:sld>
-</file>
-
-<file path=ppt/slides/slide12.xml><?xml version="1.0" encoding="utf-8"?>
 <p:sld xmlns:a="http://schemas.openxmlformats.org/drawingml/2006/main" xmlns:r="http://schemas.openxmlformats.org/officeDocument/2006/relationships" xmlns:p="http://schemas.openxmlformats.org/presentationml/2006/main">
   <p:cSld>
     <p:spTree>
@@ -4551,6 +4409,190 @@
     <p:extLst>
       <p:ext uri="{BB962C8B-B14F-4D97-AF65-F5344CB8AC3E}">
         <p14:creationId xmlns:p14="http://schemas.microsoft.com/office/powerpoint/2010/main" val="2590740372"/>
+      </p:ext>
+    </p:extLst>
+  </p:cSld>
+  <p:clrMapOvr>
+    <a:masterClrMapping/>
+  </p:clrMapOvr>
+  <p:transition>
+    <p:fade/>
+  </p:transition>
+</p:sld>
+</file>
+
+<file path=ppt/slides/slide12.xml><?xml version="1.0" encoding="utf-8"?>
+<p:sld xmlns:a="http://schemas.openxmlformats.org/drawingml/2006/main" xmlns:r="http://schemas.openxmlformats.org/officeDocument/2006/relationships" xmlns:p="http://schemas.openxmlformats.org/presentationml/2006/main">
+  <p:cSld>
+    <p:spTree>
+      <p:nvGrpSpPr>
+        <p:cNvPr id="1" name=""/>
+        <p:cNvGrpSpPr/>
+        <p:nvPr/>
+      </p:nvGrpSpPr>
+      <p:grpSpPr>
+        <a:xfrm>
+          <a:off x="0" y="0"/>
+          <a:ext cx="0" cy="0"/>
+          <a:chOff x="0" y="0"/>
+          <a:chExt cx="0" cy="0"/>
+        </a:xfrm>
+      </p:grpSpPr>
+      <p:sp>
+        <p:nvSpPr>
+          <p:cNvPr id="2" name="Title 1">
+            <a:extLst>
+              <a:ext uri="{FF2B5EF4-FFF2-40B4-BE49-F238E27FC236}">
+                <a16:creationId xmlns:a16="http://schemas.microsoft.com/office/drawing/2014/main" id="{8F73DB4F-FC50-4381-82A4-1C3B46395D04}"/>
+              </a:ext>
+            </a:extLst>
+          </p:cNvPr>
+          <p:cNvSpPr>
+            <a:spLocks noGrp="1"/>
+          </p:cNvSpPr>
+          <p:nvPr>
+            <p:ph type="title"/>
+          </p:nvPr>
+        </p:nvSpPr>
+        <p:spPr/>
+        <p:txBody>
+          <a:bodyPr/>
+          <a:lstStyle/>
+          <a:p>
+            <a:r>
+              <a:rPr lang="en-US" dirty="0"/>
+              <a:t>Localized Labels Table</a:t>
+            </a:r>
+          </a:p>
+        </p:txBody>
+      </p:sp>
+      <p:sp>
+        <p:nvSpPr>
+          <p:cNvPr id="3" name="Content Placeholder 2">
+            <a:extLst>
+              <a:ext uri="{FF2B5EF4-FFF2-40B4-BE49-F238E27FC236}">
+                <a16:creationId xmlns:a16="http://schemas.microsoft.com/office/drawing/2014/main" id="{5280767D-BE6C-486A-9469-9F7158ABB7AE}"/>
+              </a:ext>
+            </a:extLst>
+          </p:cNvPr>
+          <p:cNvSpPr>
+            <a:spLocks noGrp="1"/>
+          </p:cNvSpPr>
+          <p:nvPr>
+            <p:ph type="body" sz="quarter" idx="10"/>
+          </p:nvPr>
+        </p:nvSpPr>
+        <p:spPr/>
+        <p:txBody>
+          <a:bodyPr/>
+          <a:lstStyle/>
+          <a:p>
+            <a:r>
+              <a:rPr lang="en-US" dirty="0"/>
+              <a:t>Create a new table in data model</a:t>
+            </a:r>
+          </a:p>
+          <a:p>
+            <a:endParaRPr lang="en-US" dirty="0"/>
+          </a:p>
+          <a:p>
+            <a:endParaRPr lang="en-US" dirty="0"/>
+          </a:p>
+          <a:p>
+            <a:endParaRPr lang="en-US" dirty="0"/>
+          </a:p>
+          <a:p>
+            <a:endParaRPr lang="en-US" dirty="0"/>
+          </a:p>
+          <a:p>
+            <a:endParaRPr lang="en-US" dirty="0"/>
+          </a:p>
+          <a:p>
+            <a:r>
+              <a:rPr lang="en-US" dirty="0"/>
+              <a:t>Add a measure for any string that needs to be localized</a:t>
+            </a:r>
+          </a:p>
+        </p:txBody>
+      </p:sp>
+      <p:pic>
+        <p:nvPicPr>
+          <p:cNvPr id="4" name="Picture 3">
+            <a:extLst>
+              <a:ext uri="{FF2B5EF4-FFF2-40B4-BE49-F238E27FC236}">
+                <a16:creationId xmlns:a16="http://schemas.microsoft.com/office/drawing/2014/main" id="{B9A204EE-3FE0-40F6-9A32-93C5F47D0D55}"/>
+              </a:ext>
+            </a:extLst>
+          </p:cNvPr>
+          <p:cNvPicPr>
+            <a:picLocks noChangeAspect="1"/>
+          </p:cNvPicPr>
+          <p:nvPr/>
+        </p:nvPicPr>
+        <p:blipFill rotWithShape="1">
+          <a:blip r:embed="rId2"/>
+          <a:srcRect l="9794" t="27465" r="68253" b="65468"/>
+          <a:stretch/>
+        </p:blipFill>
+        <p:spPr>
+          <a:xfrm>
+            <a:off x="1211200" y="5537202"/>
+            <a:ext cx="3857935" cy="627018"/>
+          </a:xfrm>
+          <a:prstGeom prst="rect">
+            <a:avLst/>
+          </a:prstGeom>
+          <a:ln>
+            <a:solidFill>
+              <a:schemeClr val="tx1">
+                <a:lumMod val="65000"/>
+                <a:lumOff val="35000"/>
+              </a:schemeClr>
+            </a:solidFill>
+          </a:ln>
+        </p:spPr>
+      </p:pic>
+      <p:pic>
+        <p:nvPicPr>
+          <p:cNvPr id="5" name="Picture 4">
+            <a:extLst>
+              <a:ext uri="{FF2B5EF4-FFF2-40B4-BE49-F238E27FC236}">
+                <a16:creationId xmlns:a16="http://schemas.microsoft.com/office/drawing/2014/main" id="{B693FCB0-B915-486D-88AA-07EE72780197}"/>
+              </a:ext>
+            </a:extLst>
+          </p:cNvPr>
+          <p:cNvPicPr>
+            <a:picLocks noChangeAspect="1"/>
+          </p:cNvPicPr>
+          <p:nvPr/>
+        </p:nvPicPr>
+        <p:blipFill rotWithShape="1">
+          <a:blip r:embed="rId2"/>
+          <a:srcRect l="79609" t="29307" r="-1563" b="30657"/>
+          <a:stretch/>
+        </p:blipFill>
+        <p:spPr>
+          <a:xfrm>
+            <a:off x="1211199" y="2354531"/>
+            <a:ext cx="2729809" cy="2513388"/>
+          </a:xfrm>
+          <a:prstGeom prst="rect">
+            <a:avLst/>
+          </a:prstGeom>
+          <a:ln>
+            <a:solidFill>
+              <a:schemeClr val="tx1">
+                <a:lumMod val="50000"/>
+                <a:lumOff val="50000"/>
+              </a:schemeClr>
+            </a:solidFill>
+          </a:ln>
+        </p:spPr>
+      </p:pic>
+    </p:spTree>
+    <p:extLst>
+      <p:ext uri="{BB962C8B-B14F-4D97-AF65-F5344CB8AC3E}">
+        <p14:creationId xmlns:p14="http://schemas.microsoft.com/office/powerpoint/2010/main" val="2793860950"/>
       </p:ext>
     </p:extLst>
   </p:cSld>
@@ -5235,7 +5277,7 @@
           <p:cNvPr id="2" name="Title 1">
             <a:extLst>
               <a:ext uri="{FF2B5EF4-FFF2-40B4-BE49-F238E27FC236}">
-                <a16:creationId xmlns:a16="http://schemas.microsoft.com/office/drawing/2014/main" id="{03424F4B-C5FE-4215-9BD5-CDE27C106F00}"/>
+                <a16:creationId xmlns:a16="http://schemas.microsoft.com/office/drawing/2014/main" id="{24FAAB21-A74A-4AA3-9DC6-7F5A21D404AB}"/>
               </a:ext>
             </a:extLst>
           </p:cNvPr>
@@ -5253,17 +5295,17 @@
           <a:p>
             <a:r>
               <a:rPr lang="en-US" dirty="0"/>
-              <a:t>Add Localization Support for Fields</a:t>
+              <a:t>Agenda</a:t>
             </a:r>
           </a:p>
         </p:txBody>
       </p:sp>
       <p:sp>
         <p:nvSpPr>
-          <p:cNvPr id="3" name="Text Placeholder 2">
+          <p:cNvPr id="3" name="Content Placeholder 2">
             <a:extLst>
               <a:ext uri="{FF2B5EF4-FFF2-40B4-BE49-F238E27FC236}">
-                <a16:creationId xmlns:a16="http://schemas.microsoft.com/office/drawing/2014/main" id="{C5100BC8-6F22-4580-BB47-6336B3D62F80}"/>
+                <a16:creationId xmlns:a16="http://schemas.microsoft.com/office/drawing/2014/main" id="{D831C1B3-327D-4DB3-A0FC-8BD9CAECBA02}"/>
               </a:ext>
             </a:extLst>
           </p:cNvPr>
@@ -5274,57 +5316,71 @@
             <p:ph type="body" sz="quarter" idx="10"/>
           </p:nvPr>
         </p:nvSpPr>
-        <p:spPr/>
+        <p:spPr>
+          <a:xfrm>
+            <a:off x="491613" y="1227439"/>
+            <a:ext cx="11624185" cy="2862322"/>
+          </a:xfrm>
+        </p:spPr>
         <p:txBody>
           <a:bodyPr/>
           <a:lstStyle/>
           <a:p>
-            <a:endParaRPr lang="en-US"/>
+            <a:pPr>
+              <a:buFont typeface="Wingdings" panose="05000000000000000000" pitchFamily="2" charset="2"/>
+              <a:buChar char="ü"/>
+            </a:pPr>
+            <a:r>
+              <a:rPr lang="en-US" dirty="0"/>
+              <a:t>Introduction to Multi-language Report Design</a:t>
+            </a:r>
+          </a:p>
+          <a:p>
+            <a:pPr>
+              <a:buFont typeface="Wingdings" panose="05000000000000000000" pitchFamily="2" charset="2"/>
+              <a:buChar char="ü"/>
+            </a:pPr>
+            <a:r>
+              <a:rPr lang="en-US" dirty="0"/>
+              <a:t>Programming Translations with TOM</a:t>
+            </a:r>
+          </a:p>
+          <a:p>
+            <a:pPr>
+              <a:buFont typeface="Wingdings" panose="05000000000000000000" pitchFamily="2" charset="2"/>
+              <a:buChar char="ü"/>
+            </a:pPr>
+            <a:r>
+              <a:rPr lang="en-US" dirty="0"/>
+              <a:t>Designing Workflows to Manage Translations</a:t>
+            </a:r>
+          </a:p>
+          <a:p>
+            <a:pPr>
+              <a:buFont typeface="Wingdings" panose="05000000000000000000" pitchFamily="2" charset="2"/>
+              <a:buChar char="ü"/>
+            </a:pPr>
+            <a:r>
+              <a:rPr lang="en-US" dirty="0"/>
+              <a:t>Multi-language Report Design with Translations</a:t>
+            </a:r>
+          </a:p>
+          <a:p>
+            <a:pPr>
+              <a:buFont typeface="Wingdings" panose="05000000000000000000" pitchFamily="2" charset="2"/>
+              <a:buChar char="Ø"/>
+            </a:pPr>
+            <a:r>
+              <a:rPr lang="en-US" dirty="0"/>
+              <a:t>Embedding Reports with Specific Locales</a:t>
+            </a:r>
           </a:p>
         </p:txBody>
       </p:sp>
-      <p:pic>
-        <p:nvPicPr>
-          <p:cNvPr id="4" name="Picture 3">
-            <a:extLst>
-              <a:ext uri="{FF2B5EF4-FFF2-40B4-BE49-F238E27FC236}">
-                <a16:creationId xmlns:a16="http://schemas.microsoft.com/office/drawing/2014/main" id="{4B4B7A0E-ED52-4C01-B0F7-EC1F85DEDB34}"/>
-              </a:ext>
-            </a:extLst>
-          </p:cNvPr>
-          <p:cNvPicPr>
-            <a:picLocks noChangeAspect="1"/>
-          </p:cNvPicPr>
-          <p:nvPr/>
-        </p:nvPicPr>
-        <p:blipFill>
-          <a:blip r:embed="rId2"/>
-          <a:stretch>
-            <a:fillRect/>
-          </a:stretch>
-        </p:blipFill>
-        <p:spPr>
-          <a:xfrm>
-            <a:off x="1065658" y="2109732"/>
-            <a:ext cx="6584893" cy="4562567"/>
-          </a:xfrm>
-          <a:prstGeom prst="rect">
-            <a:avLst/>
-          </a:prstGeom>
-          <a:ln>
-            <a:solidFill>
-              <a:schemeClr val="tx1">
-                <a:lumMod val="50000"/>
-                <a:lumOff val="50000"/>
-              </a:schemeClr>
-            </a:solidFill>
-          </a:ln>
-        </p:spPr>
-      </p:pic>
     </p:spTree>
     <p:extLst>
       <p:ext uri="{BB962C8B-B14F-4D97-AF65-F5344CB8AC3E}">
-        <p14:creationId xmlns:p14="http://schemas.microsoft.com/office/powerpoint/2010/main" val="2401908641"/>
+        <p14:creationId xmlns:p14="http://schemas.microsoft.com/office/powerpoint/2010/main" val="1916952403"/>
       </p:ext>
     </p:extLst>
   </p:cSld>
@@ -5338,245 +5394,6 @@
 </file>
 
 <file path=ppt/slides/slide16.xml><?xml version="1.0" encoding="utf-8"?>
-<p:sld xmlns:a="http://schemas.openxmlformats.org/drawingml/2006/main" xmlns:r="http://schemas.openxmlformats.org/officeDocument/2006/relationships" xmlns:p="http://schemas.openxmlformats.org/presentationml/2006/main">
-  <p:cSld>
-    <p:spTree>
-      <p:nvGrpSpPr>
-        <p:cNvPr id="1" name=""/>
-        <p:cNvGrpSpPr/>
-        <p:nvPr/>
-      </p:nvGrpSpPr>
-      <p:grpSpPr>
-        <a:xfrm>
-          <a:off x="0" y="0"/>
-          <a:ext cx="0" cy="0"/>
-          <a:chOff x="0" y="0"/>
-          <a:chExt cx="0" cy="0"/>
-        </a:xfrm>
-      </p:grpSpPr>
-      <p:sp>
-        <p:nvSpPr>
-          <p:cNvPr id="2" name="Title 1">
-            <a:extLst>
-              <a:ext uri="{FF2B5EF4-FFF2-40B4-BE49-F238E27FC236}">
-                <a16:creationId xmlns:a16="http://schemas.microsoft.com/office/drawing/2014/main" id="{4BD45C4D-C21F-451A-BC09-CD14E414BDFB}"/>
-              </a:ext>
-            </a:extLst>
-          </p:cNvPr>
-          <p:cNvSpPr>
-            <a:spLocks noGrp="1"/>
-          </p:cNvSpPr>
-          <p:nvPr>
-            <p:ph type="title"/>
-          </p:nvPr>
-        </p:nvSpPr>
-        <p:spPr/>
-        <p:txBody>
-          <a:bodyPr/>
-          <a:lstStyle/>
-          <a:p>
-            <a:r>
-              <a:rPr lang="en-US" dirty="0"/>
-              <a:t>Exporting Schema Metadata for Localization</a:t>
-            </a:r>
-          </a:p>
-        </p:txBody>
-      </p:sp>
-      <p:sp>
-        <p:nvSpPr>
-          <p:cNvPr id="4" name="Text Placeholder 3">
-            <a:extLst>
-              <a:ext uri="{FF2B5EF4-FFF2-40B4-BE49-F238E27FC236}">
-                <a16:creationId xmlns:a16="http://schemas.microsoft.com/office/drawing/2014/main" id="{30891EBD-A066-480C-9C60-4EEC0B86501A}"/>
-              </a:ext>
-            </a:extLst>
-          </p:cNvPr>
-          <p:cNvSpPr>
-            <a:spLocks noGrp="1"/>
-          </p:cNvSpPr>
-          <p:nvPr>
-            <p:ph type="body" sz="quarter" idx="10"/>
-          </p:nvPr>
-        </p:nvSpPr>
-        <p:spPr/>
-        <p:txBody>
-          <a:bodyPr/>
-          <a:lstStyle/>
-          <a:p>
-            <a:endParaRPr lang="en-US"/>
-          </a:p>
-        </p:txBody>
-      </p:sp>
-      <p:pic>
-        <p:nvPicPr>
-          <p:cNvPr id="3" name="Picture 2">
-            <a:extLst>
-              <a:ext uri="{FF2B5EF4-FFF2-40B4-BE49-F238E27FC236}">
-                <a16:creationId xmlns:a16="http://schemas.microsoft.com/office/drawing/2014/main" id="{352BDBC1-17DE-4495-B6B3-50FEB9BAB463}"/>
-              </a:ext>
-            </a:extLst>
-          </p:cNvPr>
-          <p:cNvPicPr>
-            <a:picLocks noChangeAspect="1"/>
-          </p:cNvPicPr>
-          <p:nvPr/>
-        </p:nvPicPr>
-        <p:blipFill>
-          <a:blip r:embed="rId2"/>
-          <a:stretch>
-            <a:fillRect/>
-          </a:stretch>
-        </p:blipFill>
-        <p:spPr>
-          <a:xfrm>
-            <a:off x="1046855" y="1724345"/>
-            <a:ext cx="8140850" cy="2681235"/>
-          </a:xfrm>
-          <a:prstGeom prst="rect">
-            <a:avLst/>
-          </a:prstGeom>
-          <a:ln>
-            <a:solidFill>
-              <a:schemeClr val="tx1">
-                <a:lumMod val="50000"/>
-                <a:lumOff val="50000"/>
-              </a:schemeClr>
-            </a:solidFill>
-          </a:ln>
-        </p:spPr>
-      </p:pic>
-    </p:spTree>
-    <p:extLst>
-      <p:ext uri="{BB962C8B-B14F-4D97-AF65-F5344CB8AC3E}">
-        <p14:creationId xmlns:p14="http://schemas.microsoft.com/office/powerpoint/2010/main" val="3568617996"/>
-      </p:ext>
-    </p:extLst>
-  </p:cSld>
-  <p:clrMapOvr>
-    <a:masterClrMapping/>
-  </p:clrMapOvr>
-  <p:transition>
-    <p:fade/>
-  </p:transition>
-</p:sld>
-</file>
-
-<file path=ppt/slides/slide17.xml><?xml version="1.0" encoding="utf-8"?>
-<p:sld xmlns:a="http://schemas.openxmlformats.org/drawingml/2006/main" xmlns:r="http://schemas.openxmlformats.org/officeDocument/2006/relationships" xmlns:p="http://schemas.openxmlformats.org/presentationml/2006/main">
-  <p:cSld>
-    <p:spTree>
-      <p:nvGrpSpPr>
-        <p:cNvPr id="1" name=""/>
-        <p:cNvGrpSpPr/>
-        <p:nvPr/>
-      </p:nvGrpSpPr>
-      <p:grpSpPr>
-        <a:xfrm>
-          <a:off x="0" y="0"/>
-          <a:ext cx="0" cy="0"/>
-          <a:chOff x="0" y="0"/>
-          <a:chExt cx="0" cy="0"/>
-        </a:xfrm>
-      </p:grpSpPr>
-      <p:sp>
-        <p:nvSpPr>
-          <p:cNvPr id="2" name="Title 1">
-            <a:extLst>
-              <a:ext uri="{FF2B5EF4-FFF2-40B4-BE49-F238E27FC236}">
-                <a16:creationId xmlns:a16="http://schemas.microsoft.com/office/drawing/2014/main" id="{99294629-95B0-4C06-8B91-1AFB145EB83F}"/>
-              </a:ext>
-            </a:extLst>
-          </p:cNvPr>
-          <p:cNvSpPr>
-            <a:spLocks noGrp="1"/>
-          </p:cNvSpPr>
-          <p:nvPr>
-            <p:ph type="title"/>
-          </p:nvPr>
-        </p:nvSpPr>
-        <p:spPr/>
-        <p:txBody>
-          <a:bodyPr/>
-          <a:lstStyle/>
-          <a:p>
-            <a:r>
-              <a:rPr lang="en-US" dirty="0"/>
-              <a:t>Take </a:t>
-            </a:r>
-            <a:r>
-              <a:rPr lang="en-US" dirty="0" err="1"/>
-              <a:t>Aways</a:t>
-            </a:r>
-            <a:r>
-              <a:rPr lang="en-US" dirty="0"/>
-              <a:t> for Localizing PBIX Projects</a:t>
-            </a:r>
-          </a:p>
-        </p:txBody>
-      </p:sp>
-      <p:sp>
-        <p:nvSpPr>
-          <p:cNvPr id="3" name="Content Placeholder 2">
-            <a:extLst>
-              <a:ext uri="{FF2B5EF4-FFF2-40B4-BE49-F238E27FC236}">
-                <a16:creationId xmlns:a16="http://schemas.microsoft.com/office/drawing/2014/main" id="{8C476D27-81CE-48E5-877C-EF8DB3C46480}"/>
-              </a:ext>
-            </a:extLst>
-          </p:cNvPr>
-          <p:cNvSpPr>
-            <a:spLocks noGrp="1"/>
-          </p:cNvSpPr>
-          <p:nvPr>
-            <p:ph type="body" sz="quarter" idx="10"/>
-          </p:nvPr>
-        </p:nvSpPr>
-        <p:spPr/>
-        <p:txBody>
-          <a:bodyPr/>
-          <a:lstStyle/>
-          <a:p>
-            <a:r>
-              <a:rPr lang="en-US" dirty="0"/>
-              <a:t>Plan from the start – very hard to do at last minute</a:t>
-            </a:r>
-          </a:p>
-          <a:p>
-            <a:r>
-              <a:rPr lang="en-US" dirty="0"/>
-              <a:t>Plan for content growth</a:t>
-            </a:r>
-          </a:p>
-          <a:p>
-            <a:r>
-              <a:rPr lang="en-US" dirty="0"/>
-              <a:t>Don’t use literal text in textboxes or button</a:t>
-            </a:r>
-          </a:p>
-          <a:p>
-            <a:r>
-              <a:rPr lang="en-US" dirty="0"/>
-              <a:t>Page tabs cannot be localized</a:t>
-            </a:r>
-          </a:p>
-        </p:txBody>
-      </p:sp>
-    </p:spTree>
-    <p:extLst>
-      <p:ext uri="{BB962C8B-B14F-4D97-AF65-F5344CB8AC3E}">
-        <p14:creationId xmlns:p14="http://schemas.microsoft.com/office/powerpoint/2010/main" val="3257300463"/>
-      </p:ext>
-    </p:extLst>
-  </p:cSld>
-  <p:clrMapOvr>
-    <a:masterClrMapping/>
-  </p:clrMapOvr>
-  <p:transition>
-    <p:fade/>
-  </p:transition>
-</p:sld>
-</file>
-
-<file path=ppt/slides/slide18.xml><?xml version="1.0" encoding="utf-8"?>
 <p:sld xmlns:a="http://schemas.openxmlformats.org/drawingml/2006/main" xmlns:r="http://schemas.openxmlformats.org/officeDocument/2006/relationships" xmlns:p="http://schemas.openxmlformats.org/presentationml/2006/main">
   <p:cSld>
     <p:spTree>
@@ -5639,6 +5456,259 @@
 </p:sld>
 </file>
 
+<file path=ppt/slides/slide17.xml><?xml version="1.0" encoding="utf-8"?>
+<p:sld xmlns:a="http://schemas.openxmlformats.org/drawingml/2006/main" xmlns:r="http://schemas.openxmlformats.org/officeDocument/2006/relationships" xmlns:p="http://schemas.openxmlformats.org/presentationml/2006/main">
+  <p:cSld>
+    <p:spTree>
+      <p:nvGrpSpPr>
+        <p:cNvPr id="1" name=""/>
+        <p:cNvGrpSpPr/>
+        <p:nvPr/>
+      </p:nvGrpSpPr>
+      <p:grpSpPr>
+        <a:xfrm>
+          <a:off x="0" y="0"/>
+          <a:ext cx="0" cy="0"/>
+          <a:chOff x="0" y="0"/>
+          <a:chExt cx="0" cy="0"/>
+        </a:xfrm>
+      </p:grpSpPr>
+      <p:sp>
+        <p:nvSpPr>
+          <p:cNvPr id="2" name="Title 1">
+            <a:extLst>
+              <a:ext uri="{FF2B5EF4-FFF2-40B4-BE49-F238E27FC236}">
+                <a16:creationId xmlns:a16="http://schemas.microsoft.com/office/drawing/2014/main" id="{99294629-95B0-4C06-8B91-1AFB145EB83F}"/>
+              </a:ext>
+            </a:extLst>
+          </p:cNvPr>
+          <p:cNvSpPr>
+            <a:spLocks noGrp="1"/>
+          </p:cNvSpPr>
+          <p:nvPr>
+            <p:ph type="title"/>
+          </p:nvPr>
+        </p:nvSpPr>
+        <p:spPr/>
+        <p:txBody>
+          <a:bodyPr/>
+          <a:lstStyle/>
+          <a:p>
+            <a:r>
+              <a:rPr lang="en-US" dirty="0"/>
+              <a:t>Take </a:t>
+            </a:r>
+            <a:r>
+              <a:rPr lang="en-US" dirty="0" err="1"/>
+              <a:t>Aways</a:t>
+            </a:r>
+            <a:r>
+              <a:rPr lang="en-US" dirty="0"/>
+              <a:t> for Localizing PBIX Projects</a:t>
+            </a:r>
+          </a:p>
+        </p:txBody>
+      </p:sp>
+      <p:sp>
+        <p:nvSpPr>
+          <p:cNvPr id="3" name="Content Placeholder 2">
+            <a:extLst>
+              <a:ext uri="{FF2B5EF4-FFF2-40B4-BE49-F238E27FC236}">
+                <a16:creationId xmlns:a16="http://schemas.microsoft.com/office/drawing/2014/main" id="{8C476D27-81CE-48E5-877C-EF8DB3C46480}"/>
+              </a:ext>
+            </a:extLst>
+          </p:cNvPr>
+          <p:cNvSpPr>
+            <a:spLocks noGrp="1"/>
+          </p:cNvSpPr>
+          <p:nvPr>
+            <p:ph type="body" sz="quarter" idx="10"/>
+          </p:nvPr>
+        </p:nvSpPr>
+        <p:spPr/>
+        <p:txBody>
+          <a:bodyPr/>
+          <a:lstStyle/>
+          <a:p>
+            <a:r>
+              <a:rPr lang="en-US" dirty="0"/>
+              <a:t>Plan from the start – very hard to do at last minute</a:t>
+            </a:r>
+          </a:p>
+          <a:p>
+            <a:r>
+              <a:rPr lang="en-US" dirty="0"/>
+              <a:t>Plan for content growth</a:t>
+            </a:r>
+          </a:p>
+          <a:p>
+            <a:r>
+              <a:rPr lang="en-US" dirty="0"/>
+              <a:t>Don’t use literal text in textboxes or button</a:t>
+            </a:r>
+          </a:p>
+          <a:p>
+            <a:r>
+              <a:rPr lang="en-US" dirty="0"/>
+              <a:t>Page tabs cannot be localized</a:t>
+            </a:r>
+          </a:p>
+        </p:txBody>
+      </p:sp>
+    </p:spTree>
+    <p:extLst>
+      <p:ext uri="{BB962C8B-B14F-4D97-AF65-F5344CB8AC3E}">
+        <p14:creationId xmlns:p14="http://schemas.microsoft.com/office/powerpoint/2010/main" val="3257300463"/>
+      </p:ext>
+    </p:extLst>
+  </p:cSld>
+  <p:clrMapOvr>
+    <a:masterClrMapping/>
+  </p:clrMapOvr>
+  <p:transition>
+    <p:fade/>
+  </p:transition>
+</p:sld>
+</file>
+
+<file path=ppt/slides/slide18.xml><?xml version="1.0" encoding="utf-8"?>
+<p:sld xmlns:a="http://schemas.openxmlformats.org/drawingml/2006/main" xmlns:r="http://schemas.openxmlformats.org/officeDocument/2006/relationships" xmlns:p="http://schemas.openxmlformats.org/presentationml/2006/main">
+  <p:cSld>
+    <p:spTree>
+      <p:nvGrpSpPr>
+        <p:cNvPr id="1" name=""/>
+        <p:cNvGrpSpPr/>
+        <p:nvPr/>
+      </p:nvGrpSpPr>
+      <p:grpSpPr>
+        <a:xfrm>
+          <a:off x="0" y="0"/>
+          <a:ext cx="0" cy="0"/>
+          <a:chOff x="0" y="0"/>
+          <a:chExt cx="0" cy="0"/>
+        </a:xfrm>
+      </p:grpSpPr>
+      <p:sp>
+        <p:nvSpPr>
+          <p:cNvPr id="2" name="Title 1">
+            <a:extLst>
+              <a:ext uri="{FF2B5EF4-FFF2-40B4-BE49-F238E27FC236}">
+                <a16:creationId xmlns:a16="http://schemas.microsoft.com/office/drawing/2014/main" id="{24FAAB21-A74A-4AA3-9DC6-7F5A21D404AB}"/>
+              </a:ext>
+            </a:extLst>
+          </p:cNvPr>
+          <p:cNvSpPr>
+            <a:spLocks noGrp="1"/>
+          </p:cNvSpPr>
+          <p:nvPr>
+            <p:ph type="title"/>
+          </p:nvPr>
+        </p:nvSpPr>
+        <p:spPr/>
+        <p:txBody>
+          <a:bodyPr/>
+          <a:lstStyle/>
+          <a:p>
+            <a:r>
+              <a:rPr lang="en-US" dirty="0"/>
+              <a:t>Summary</a:t>
+            </a:r>
+          </a:p>
+        </p:txBody>
+      </p:sp>
+      <p:sp>
+        <p:nvSpPr>
+          <p:cNvPr id="3" name="Content Placeholder 2">
+            <a:extLst>
+              <a:ext uri="{FF2B5EF4-FFF2-40B4-BE49-F238E27FC236}">
+                <a16:creationId xmlns:a16="http://schemas.microsoft.com/office/drawing/2014/main" id="{D831C1B3-327D-4DB3-A0FC-8BD9CAECBA02}"/>
+              </a:ext>
+            </a:extLst>
+          </p:cNvPr>
+          <p:cNvSpPr>
+            <a:spLocks noGrp="1"/>
+          </p:cNvSpPr>
+          <p:nvPr>
+            <p:ph type="body" sz="quarter" idx="10"/>
+          </p:nvPr>
+        </p:nvSpPr>
+        <p:spPr>
+          <a:xfrm>
+            <a:off x="491613" y="1227439"/>
+            <a:ext cx="11624185" cy="2862322"/>
+          </a:xfrm>
+        </p:spPr>
+        <p:txBody>
+          <a:bodyPr/>
+          <a:lstStyle/>
+          <a:p>
+            <a:pPr>
+              <a:buFont typeface="Wingdings" panose="05000000000000000000" pitchFamily="2" charset="2"/>
+              <a:buChar char="ü"/>
+            </a:pPr>
+            <a:r>
+              <a:rPr lang="en-US" dirty="0"/>
+              <a:t>Introduction to Multi-language Report Design</a:t>
+            </a:r>
+          </a:p>
+          <a:p>
+            <a:pPr>
+              <a:buFont typeface="Wingdings" panose="05000000000000000000" pitchFamily="2" charset="2"/>
+              <a:buChar char="ü"/>
+            </a:pPr>
+            <a:r>
+              <a:rPr lang="en-US" dirty="0"/>
+              <a:t>Programming Translations with TOM</a:t>
+            </a:r>
+          </a:p>
+          <a:p>
+            <a:pPr>
+              <a:buFont typeface="Wingdings" panose="05000000000000000000" pitchFamily="2" charset="2"/>
+              <a:buChar char="ü"/>
+            </a:pPr>
+            <a:r>
+              <a:rPr lang="en-US" dirty="0"/>
+              <a:t>Designing Workflows to Manage Translations</a:t>
+            </a:r>
+          </a:p>
+          <a:p>
+            <a:pPr>
+              <a:buFont typeface="Wingdings" panose="05000000000000000000" pitchFamily="2" charset="2"/>
+              <a:buChar char="ü"/>
+            </a:pPr>
+            <a:r>
+              <a:rPr lang="en-US" dirty="0"/>
+              <a:t>Multi-language Report Design with Translations</a:t>
+            </a:r>
+          </a:p>
+          <a:p>
+            <a:pPr>
+              <a:buFont typeface="Wingdings" panose="05000000000000000000" pitchFamily="2" charset="2"/>
+              <a:buChar char="ü"/>
+            </a:pPr>
+            <a:r>
+              <a:rPr lang="en-US" dirty="0"/>
+              <a:t>Embedding Reports with Specific Locales</a:t>
+            </a:r>
+          </a:p>
+        </p:txBody>
+      </p:sp>
+    </p:spTree>
+    <p:extLst>
+      <p:ext uri="{BB962C8B-B14F-4D97-AF65-F5344CB8AC3E}">
+        <p14:creationId xmlns:p14="http://schemas.microsoft.com/office/powerpoint/2010/main" val="2628130328"/>
+      </p:ext>
+    </p:extLst>
+  </p:cSld>
+  <p:clrMapOvr>
+    <a:masterClrMapping/>
+  </p:clrMapOvr>
+  <p:transition>
+    <p:fade/>
+  </p:transition>
+</p:sld>
+</file>
+
 <file path=ppt/slides/slide2.xml><?xml version="1.0" encoding="utf-8"?>
 <p:sld xmlns:a="http://schemas.openxmlformats.org/drawingml/2006/main" xmlns:r="http://schemas.openxmlformats.org/officeDocument/2006/relationships" xmlns:p="http://schemas.openxmlformats.org/presentationml/2006/main">
   <p:cSld>
@@ -5714,7 +5784,7 @@
         <p:spPr>
           <a:xfrm>
             <a:off x="491613" y="1227439"/>
-            <a:ext cx="11624185" cy="2862322"/>
+            <a:ext cx="11624185" cy="3447098"/>
           </a:xfrm>
         </p:spPr>
         <p:txBody>
@@ -5752,6 +5822,12 @@
             <a:r>
               <a:rPr lang="en-US" dirty="0"/>
               <a:t>Embedding Reports with Specific Locales</a:t>
+            </a:r>
+          </a:p>
+          <a:p>
+            <a:r>
+              <a:rPr lang="en-US" dirty="0"/>
+              <a:t>Designing for Content Translation</a:t>
             </a:r>
           </a:p>
         </p:txBody>
@@ -6427,7 +6503,7 @@
           <p:cNvPr id="2" name="Title 1">
             <a:extLst>
               <a:ext uri="{FF2B5EF4-FFF2-40B4-BE49-F238E27FC236}">
-                <a16:creationId xmlns:a16="http://schemas.microsoft.com/office/drawing/2014/main" id="{24FAAB21-A74A-4AA3-9DC6-7F5A21D404AB}"/>
+                <a16:creationId xmlns:a16="http://schemas.microsoft.com/office/drawing/2014/main" id="{03424F4B-C5FE-4215-9BD5-CDE27C106F00}"/>
               </a:ext>
             </a:extLst>
           </p:cNvPr>
@@ -6445,17 +6521,17 @@
           <a:p>
             <a:r>
               <a:rPr lang="en-US" dirty="0"/>
-              <a:t>Agenda</a:t>
+              <a:t>Add Localization Support for Fields</a:t>
             </a:r>
           </a:p>
         </p:txBody>
       </p:sp>
       <p:sp>
         <p:nvSpPr>
-          <p:cNvPr id="3" name="Content Placeholder 2">
+          <p:cNvPr id="3" name="Text Placeholder 2">
             <a:extLst>
               <a:ext uri="{FF2B5EF4-FFF2-40B4-BE49-F238E27FC236}">
-                <a16:creationId xmlns:a16="http://schemas.microsoft.com/office/drawing/2014/main" id="{D831C1B3-327D-4DB3-A0FC-8BD9CAECBA02}"/>
+                <a16:creationId xmlns:a16="http://schemas.microsoft.com/office/drawing/2014/main" id="{C5100BC8-6F22-4580-BB47-6336B3D62F80}"/>
               </a:ext>
             </a:extLst>
           </p:cNvPr>
@@ -6466,59 +6542,57 @@
             <p:ph type="body" sz="quarter" idx="10"/>
           </p:nvPr>
         </p:nvSpPr>
-        <p:spPr>
-          <a:xfrm>
-            <a:off x="491613" y="1227439"/>
-            <a:ext cx="11624185" cy="2862322"/>
-          </a:xfrm>
-        </p:spPr>
+        <p:spPr/>
         <p:txBody>
           <a:bodyPr/>
           <a:lstStyle/>
           <a:p>
-            <a:pPr>
-              <a:buFont typeface="Wingdings" panose="05000000000000000000" pitchFamily="2" charset="2"/>
-              <a:buChar char="ü"/>
-            </a:pPr>
-            <a:r>
-              <a:rPr lang="en-US" dirty="0"/>
-              <a:t>Introduction to Multi-language Report Design</a:t>
-            </a:r>
-          </a:p>
-          <a:p>
-            <a:pPr>
-              <a:buFont typeface="Wingdings" panose="05000000000000000000" pitchFamily="2" charset="2"/>
-              <a:buChar char="Ø"/>
-            </a:pPr>
-            <a:r>
-              <a:rPr lang="en-US" dirty="0"/>
-              <a:t>Programming Translations with TOM</a:t>
-            </a:r>
-          </a:p>
-          <a:p>
-            <a:r>
-              <a:rPr lang="en-US" dirty="0"/>
-              <a:t>Designing Workflows to Manage Translations</a:t>
-            </a:r>
-          </a:p>
-          <a:p>
-            <a:r>
-              <a:rPr lang="en-US" dirty="0"/>
-              <a:t>Multi-language Report Design with Translations</a:t>
-            </a:r>
-          </a:p>
-          <a:p>
-            <a:r>
-              <a:rPr lang="en-US" dirty="0"/>
-              <a:t>Embedding Reports with Specific Locales</a:t>
-            </a:r>
+            <a:endParaRPr lang="en-US"/>
           </a:p>
         </p:txBody>
       </p:sp>
+      <p:pic>
+        <p:nvPicPr>
+          <p:cNvPr id="4" name="Picture 3">
+            <a:extLst>
+              <a:ext uri="{FF2B5EF4-FFF2-40B4-BE49-F238E27FC236}">
+                <a16:creationId xmlns:a16="http://schemas.microsoft.com/office/drawing/2014/main" id="{4B4B7A0E-ED52-4C01-B0F7-EC1F85DEDB34}"/>
+              </a:ext>
+            </a:extLst>
+          </p:cNvPr>
+          <p:cNvPicPr>
+            <a:picLocks noChangeAspect="1"/>
+          </p:cNvPicPr>
+          <p:nvPr/>
+        </p:nvPicPr>
+        <p:blipFill>
+          <a:blip r:embed="rId2"/>
+          <a:stretch>
+            <a:fillRect/>
+          </a:stretch>
+        </p:blipFill>
+        <p:spPr>
+          <a:xfrm>
+            <a:off x="1065658" y="2109732"/>
+            <a:ext cx="6584893" cy="4562567"/>
+          </a:xfrm>
+          <a:prstGeom prst="rect">
+            <a:avLst/>
+          </a:prstGeom>
+          <a:ln>
+            <a:solidFill>
+              <a:schemeClr val="tx1">
+                <a:lumMod val="50000"/>
+                <a:lumOff val="50000"/>
+              </a:schemeClr>
+            </a:solidFill>
+          </a:ln>
+        </p:spPr>
+      </p:pic>
     </p:spTree>
     <p:extLst>
       <p:ext uri="{BB962C8B-B14F-4D97-AF65-F5344CB8AC3E}">
-        <p14:creationId xmlns:p14="http://schemas.microsoft.com/office/powerpoint/2010/main" val="3032082723"/>
+        <p14:creationId xmlns:p14="http://schemas.microsoft.com/office/powerpoint/2010/main" val="2189035466"/>
       </p:ext>
     </p:extLst>
   </p:cSld>
@@ -6532,6 +6606,130 @@
 </file>
 
 <file path=ppt/slides/slide6.xml><?xml version="1.0" encoding="utf-8"?>
+<p:sld xmlns:a="http://schemas.openxmlformats.org/drawingml/2006/main" xmlns:r="http://schemas.openxmlformats.org/officeDocument/2006/relationships" xmlns:p="http://schemas.openxmlformats.org/presentationml/2006/main">
+  <p:cSld>
+    <p:spTree>
+      <p:nvGrpSpPr>
+        <p:cNvPr id="1" name=""/>
+        <p:cNvGrpSpPr/>
+        <p:nvPr/>
+      </p:nvGrpSpPr>
+      <p:grpSpPr>
+        <a:xfrm>
+          <a:off x="0" y="0"/>
+          <a:ext cx="0" cy="0"/>
+          <a:chOff x="0" y="0"/>
+          <a:chExt cx="0" cy="0"/>
+        </a:xfrm>
+      </p:grpSpPr>
+      <p:sp>
+        <p:nvSpPr>
+          <p:cNvPr id="2" name="Title 1">
+            <a:extLst>
+              <a:ext uri="{FF2B5EF4-FFF2-40B4-BE49-F238E27FC236}">
+                <a16:creationId xmlns:a16="http://schemas.microsoft.com/office/drawing/2014/main" id="{4BD45C4D-C21F-451A-BC09-CD14E414BDFB}"/>
+              </a:ext>
+            </a:extLst>
+          </p:cNvPr>
+          <p:cNvSpPr>
+            <a:spLocks noGrp="1"/>
+          </p:cNvSpPr>
+          <p:nvPr>
+            <p:ph type="title"/>
+          </p:nvPr>
+        </p:nvSpPr>
+        <p:spPr/>
+        <p:txBody>
+          <a:bodyPr/>
+          <a:lstStyle/>
+          <a:p>
+            <a:r>
+              <a:rPr lang="en-US" dirty="0"/>
+              <a:t>Exporting Schema Metadata for Localization</a:t>
+            </a:r>
+          </a:p>
+        </p:txBody>
+      </p:sp>
+      <p:sp>
+        <p:nvSpPr>
+          <p:cNvPr id="4" name="Text Placeholder 3">
+            <a:extLst>
+              <a:ext uri="{FF2B5EF4-FFF2-40B4-BE49-F238E27FC236}">
+                <a16:creationId xmlns:a16="http://schemas.microsoft.com/office/drawing/2014/main" id="{30891EBD-A066-480C-9C60-4EEC0B86501A}"/>
+              </a:ext>
+            </a:extLst>
+          </p:cNvPr>
+          <p:cNvSpPr>
+            <a:spLocks noGrp="1"/>
+          </p:cNvSpPr>
+          <p:nvPr>
+            <p:ph type="body" sz="quarter" idx="10"/>
+          </p:nvPr>
+        </p:nvSpPr>
+        <p:spPr/>
+        <p:txBody>
+          <a:bodyPr/>
+          <a:lstStyle/>
+          <a:p>
+            <a:endParaRPr lang="en-US"/>
+          </a:p>
+        </p:txBody>
+      </p:sp>
+      <p:pic>
+        <p:nvPicPr>
+          <p:cNvPr id="3" name="Picture 2">
+            <a:extLst>
+              <a:ext uri="{FF2B5EF4-FFF2-40B4-BE49-F238E27FC236}">
+                <a16:creationId xmlns:a16="http://schemas.microsoft.com/office/drawing/2014/main" id="{352BDBC1-17DE-4495-B6B3-50FEB9BAB463}"/>
+              </a:ext>
+            </a:extLst>
+          </p:cNvPr>
+          <p:cNvPicPr>
+            <a:picLocks noChangeAspect="1"/>
+          </p:cNvPicPr>
+          <p:nvPr/>
+        </p:nvPicPr>
+        <p:blipFill>
+          <a:blip r:embed="rId2"/>
+          <a:stretch>
+            <a:fillRect/>
+          </a:stretch>
+        </p:blipFill>
+        <p:spPr>
+          <a:xfrm>
+            <a:off x="1046855" y="1724345"/>
+            <a:ext cx="8140850" cy="2681235"/>
+          </a:xfrm>
+          <a:prstGeom prst="rect">
+            <a:avLst/>
+          </a:prstGeom>
+          <a:ln>
+            <a:solidFill>
+              <a:schemeClr val="tx1">
+                <a:lumMod val="50000"/>
+                <a:lumOff val="50000"/>
+              </a:schemeClr>
+            </a:solidFill>
+          </a:ln>
+        </p:spPr>
+      </p:pic>
+    </p:spTree>
+    <p:extLst>
+      <p:ext uri="{BB962C8B-B14F-4D97-AF65-F5344CB8AC3E}">
+        <p14:creationId xmlns:p14="http://schemas.microsoft.com/office/powerpoint/2010/main" val="2882012105"/>
+      </p:ext>
+    </p:extLst>
+  </p:cSld>
+  <p:clrMapOvr>
+    <a:masterClrMapping/>
+  </p:clrMapOvr>
+  <p:transition>
+    <p:fade/>
+  </p:transition>
+</p:sld>
+</file>
+
+<file path=ppt/slides/slide7.xml><?xml version="1.0" encoding="utf-8"?>
 <p:sld xmlns:a="http://schemas.openxmlformats.org/drawingml/2006/main" xmlns:r="http://schemas.openxmlformats.org/officeDocument/2006/relationships" xmlns:p="http://schemas.openxmlformats.org/presentationml/2006/main">
   <p:cSld>
     <p:spTree>
@@ -6614,7 +6812,7 @@
           <a:p>
             <a:pPr>
               <a:buFont typeface="Wingdings" panose="05000000000000000000" pitchFamily="2" charset="2"/>
-              <a:buChar char="ü"/>
+              <a:buChar char="Ø"/>
             </a:pPr>
             <a:r>
               <a:rPr lang="en-US" dirty="0"/>
@@ -6622,10 +6820,6 @@
             </a:r>
           </a:p>
           <a:p>
-            <a:pPr>
-              <a:buFont typeface="Wingdings" panose="05000000000000000000" pitchFamily="2" charset="2"/>
-              <a:buChar char="Ø"/>
-            </a:pPr>
             <a:r>
               <a:rPr lang="en-US" dirty="0"/>
               <a:t>Designing Workflows to Manage Translations</a:t>
@@ -6648,172 +6842,7 @@
     </p:spTree>
     <p:extLst>
       <p:ext uri="{BB962C8B-B14F-4D97-AF65-F5344CB8AC3E}">
-        <p14:creationId xmlns:p14="http://schemas.microsoft.com/office/powerpoint/2010/main" val="1266102461"/>
-      </p:ext>
-    </p:extLst>
-  </p:cSld>
-  <p:clrMapOvr>
-    <a:masterClrMapping/>
-  </p:clrMapOvr>
-  <p:transition>
-    <p:fade/>
-  </p:transition>
-</p:sld>
-</file>
-
-<file path=ppt/slides/slide7.xml><?xml version="1.0" encoding="utf-8"?>
-<p:sld xmlns:a="http://schemas.openxmlformats.org/drawingml/2006/main" xmlns:r="http://schemas.openxmlformats.org/officeDocument/2006/relationships" xmlns:p="http://schemas.openxmlformats.org/presentationml/2006/main">
-  <p:cSld>
-    <p:spTree>
-      <p:nvGrpSpPr>
-        <p:cNvPr id="1" name=""/>
-        <p:cNvGrpSpPr/>
-        <p:nvPr/>
-      </p:nvGrpSpPr>
-      <p:grpSpPr>
-        <a:xfrm>
-          <a:off x="0" y="0"/>
-          <a:ext cx="0" cy="0"/>
-          <a:chOff x="0" y="0"/>
-          <a:chExt cx="0" cy="0"/>
-        </a:xfrm>
-      </p:grpSpPr>
-      <p:sp>
-        <p:nvSpPr>
-          <p:cNvPr id="2" name="Title 1">
-            <a:extLst>
-              <a:ext uri="{FF2B5EF4-FFF2-40B4-BE49-F238E27FC236}">
-                <a16:creationId xmlns:a16="http://schemas.microsoft.com/office/drawing/2014/main" id="{D471F581-98FD-4756-82EE-736A18033DEA}"/>
-              </a:ext>
-            </a:extLst>
-          </p:cNvPr>
-          <p:cNvSpPr>
-            <a:spLocks noGrp="1"/>
-          </p:cNvSpPr>
-          <p:nvPr>
-            <p:ph type="title"/>
-          </p:nvPr>
-        </p:nvSpPr>
-        <p:spPr/>
-        <p:txBody>
-          <a:bodyPr/>
-          <a:lstStyle/>
-          <a:p>
-            <a:r>
-              <a:rPr lang="en-US" dirty="0"/>
-              <a:t>Localization Workflow</a:t>
-            </a:r>
-          </a:p>
-        </p:txBody>
-      </p:sp>
-      <p:sp>
-        <p:nvSpPr>
-          <p:cNvPr id="3" name="Content Placeholder 2">
-            <a:extLst>
-              <a:ext uri="{FF2B5EF4-FFF2-40B4-BE49-F238E27FC236}">
-                <a16:creationId xmlns:a16="http://schemas.microsoft.com/office/drawing/2014/main" id="{54C3E5D3-3EC0-4B3B-BDEC-B7A8742A832F}"/>
-              </a:ext>
-            </a:extLst>
-          </p:cNvPr>
-          <p:cNvSpPr>
-            <a:spLocks noGrp="1"/>
-          </p:cNvSpPr>
-          <p:nvPr>
-            <p:ph type="body" sz="quarter" idx="10"/>
-          </p:nvPr>
-        </p:nvSpPr>
-        <p:spPr/>
-        <p:txBody>
-          <a:bodyPr>
-            <a:normAutofit/>
-          </a:bodyPr>
-          <a:lstStyle/>
-          <a:p>
-            <a:r>
-              <a:rPr lang="en-US" dirty="0"/>
-              <a:t>Prepare PBIX in Power BI Desktop</a:t>
-            </a:r>
-          </a:p>
-          <a:p>
-            <a:pPr lvl="1"/>
-            <a:r>
-              <a:rPr lang="en-US" dirty="0"/>
-              <a:t>Create Localized Labels table</a:t>
-            </a:r>
-          </a:p>
-          <a:p>
-            <a:pPr lvl="1"/>
-            <a:r>
-              <a:rPr lang="en-US" dirty="0"/>
-              <a:t>Created localized labels as measures with localizable names</a:t>
-            </a:r>
-          </a:p>
-          <a:p>
-            <a:r>
-              <a:rPr lang="en-US" dirty="0"/>
-              <a:t>Add localization support to PBIX </a:t>
-            </a:r>
-          </a:p>
-          <a:p>
-            <a:pPr lvl="1"/>
-            <a:r>
-              <a:rPr lang="en-US" dirty="0"/>
-              <a:t>Requires using Tabular Editor or Tabular Object Model (TOM)</a:t>
-            </a:r>
-          </a:p>
-          <a:p>
-            <a:pPr lvl="1"/>
-            <a:r>
-              <a:rPr lang="en-US" dirty="0"/>
-              <a:t>Add localized string content to PBIX using Tabular Editor</a:t>
-            </a:r>
-          </a:p>
-          <a:p>
-            <a:r>
-              <a:rPr lang="en-US" dirty="0"/>
-              <a:t>Translate content</a:t>
-            </a:r>
-          </a:p>
-          <a:p>
-            <a:pPr lvl="1"/>
-            <a:r>
-              <a:rPr lang="en-US" dirty="0"/>
-              <a:t>Create Master RESX file to send out for translation</a:t>
-            </a:r>
-          </a:p>
-          <a:p>
-            <a:pPr lvl="1"/>
-            <a:r>
-              <a:rPr lang="en-US" dirty="0"/>
-              <a:t>Get RESX files back from translators</a:t>
-            </a:r>
-          </a:p>
-          <a:p>
-            <a:pPr lvl="1"/>
-            <a:r>
-              <a:rPr lang="en-US" dirty="0"/>
-              <a:t>Use </a:t>
-            </a:r>
-            <a:r>
-              <a:rPr lang="en-US" dirty="0" err="1"/>
-              <a:t>HelperTool</a:t>
-            </a:r>
-            <a:r>
-              <a:rPr lang="en-US" dirty="0"/>
-              <a:t> to merge all RESX files into </a:t>
-            </a:r>
-            <a:r>
-              <a:rPr lang="en-US" dirty="0" err="1"/>
-              <a:t>default.json</a:t>
-            </a:r>
-            <a:endParaRPr lang="en-US" dirty="0"/>
-          </a:p>
-        </p:txBody>
-      </p:sp>
-    </p:spTree>
-    <p:extLst>
-      <p:ext uri="{BB962C8B-B14F-4D97-AF65-F5344CB8AC3E}">
-        <p14:creationId xmlns:p14="http://schemas.microsoft.com/office/powerpoint/2010/main" val="1874202415"/>
+        <p14:creationId xmlns:p14="http://schemas.microsoft.com/office/powerpoint/2010/main" val="3032082723"/>
       </p:ext>
     </p:extLst>
   </p:cSld>
@@ -6919,7 +6948,7 @@
           <a:p>
             <a:pPr>
               <a:buFont typeface="Wingdings" panose="05000000000000000000" pitchFamily="2" charset="2"/>
-              <a:buChar char="ü"/>
+              <a:buChar char="Ø"/>
             </a:pPr>
             <a:r>
               <a:rPr lang="en-US" dirty="0"/>
@@ -6927,10 +6956,6 @@
             </a:r>
           </a:p>
           <a:p>
-            <a:pPr>
-              <a:buFont typeface="Wingdings" panose="05000000000000000000" pitchFamily="2" charset="2"/>
-              <a:buChar char="Ø"/>
-            </a:pPr>
             <a:r>
               <a:rPr lang="en-US" dirty="0"/>
               <a:t>Multi-language Report Design with Translations</a:t>
@@ -6947,7 +6972,7 @@
     </p:spTree>
     <p:extLst>
       <p:ext uri="{BB962C8B-B14F-4D97-AF65-F5344CB8AC3E}">
-        <p14:creationId xmlns:p14="http://schemas.microsoft.com/office/powerpoint/2010/main" val="1938902918"/>
+        <p14:creationId xmlns:p14="http://schemas.microsoft.com/office/powerpoint/2010/main" val="1266102461"/>
       </p:ext>
     </p:extLst>
   </p:cSld>
@@ -6982,7 +7007,7 @@
           <p:cNvPr id="2" name="Title 1">
             <a:extLst>
               <a:ext uri="{FF2B5EF4-FFF2-40B4-BE49-F238E27FC236}">
-                <a16:creationId xmlns:a16="http://schemas.microsoft.com/office/drawing/2014/main" id="{8F73DB4F-FC50-4381-82A4-1C3B46395D04}"/>
+                <a16:creationId xmlns:a16="http://schemas.microsoft.com/office/drawing/2014/main" id="{D471F581-98FD-4756-82EE-736A18033DEA}"/>
               </a:ext>
             </a:extLst>
           </p:cNvPr>
@@ -7000,7 +7025,7 @@
           <a:p>
             <a:r>
               <a:rPr lang="en-US" dirty="0"/>
-              <a:t>Localized Labels Table</a:t>
+              <a:t>Localization Workflow</a:t>
             </a:r>
           </a:p>
         </p:txBody>
@@ -7010,7 +7035,7 @@
           <p:cNvPr id="3" name="Content Placeholder 2">
             <a:extLst>
               <a:ext uri="{FF2B5EF4-FFF2-40B4-BE49-F238E27FC236}">
-                <a16:creationId xmlns:a16="http://schemas.microsoft.com/office/drawing/2014/main" id="{5280767D-BE6C-486A-9469-9F7158ABB7AE}"/>
+                <a16:creationId xmlns:a16="http://schemas.microsoft.com/office/drawing/2014/main" id="{54C3E5D3-3EC0-4B3B-BDEC-B7A8742A832F}"/>
               </a:ext>
             </a:extLst>
           </p:cNvPr>
@@ -7023,115 +7048,96 @@
         </p:nvSpPr>
         <p:spPr/>
         <p:txBody>
-          <a:bodyPr/>
+          <a:bodyPr>
+            <a:normAutofit/>
+          </a:bodyPr>
           <a:lstStyle/>
           <a:p>
             <a:r>
               <a:rPr lang="en-US" dirty="0"/>
-              <a:t>Create a new table in data model</a:t>
-            </a:r>
-          </a:p>
-          <a:p>
+              <a:t>Prepare PBIX in Power BI Desktop</a:t>
+            </a:r>
+          </a:p>
+          <a:p>
+            <a:pPr lvl="1"/>
+            <a:r>
+              <a:rPr lang="en-US" dirty="0"/>
+              <a:t>Create Localized Labels table</a:t>
+            </a:r>
+          </a:p>
+          <a:p>
+            <a:pPr lvl="1"/>
+            <a:r>
+              <a:rPr lang="en-US" dirty="0"/>
+              <a:t>Created localized labels as measures with localizable names</a:t>
+            </a:r>
+          </a:p>
+          <a:p>
+            <a:r>
+              <a:rPr lang="en-US" dirty="0"/>
+              <a:t>Add localization support to PBIX </a:t>
+            </a:r>
+          </a:p>
+          <a:p>
+            <a:pPr lvl="1"/>
+            <a:r>
+              <a:rPr lang="en-US" dirty="0"/>
+              <a:t>Requires using Tabular Editor or Tabular Object Model (TOM)</a:t>
+            </a:r>
+          </a:p>
+          <a:p>
+            <a:pPr lvl="1"/>
+            <a:r>
+              <a:rPr lang="en-US" dirty="0"/>
+              <a:t>Add localized string content to PBIX using Tabular Editor</a:t>
+            </a:r>
+          </a:p>
+          <a:p>
+            <a:r>
+              <a:rPr lang="en-US" dirty="0"/>
+              <a:t>Translate content</a:t>
+            </a:r>
+          </a:p>
+          <a:p>
+            <a:pPr lvl="1"/>
+            <a:r>
+              <a:rPr lang="en-US" dirty="0"/>
+              <a:t>Create Master RESX file to send out for translation</a:t>
+            </a:r>
+          </a:p>
+          <a:p>
+            <a:pPr lvl="1"/>
+            <a:r>
+              <a:rPr lang="en-US" dirty="0"/>
+              <a:t>Get RESX files back from translators</a:t>
+            </a:r>
+          </a:p>
+          <a:p>
+            <a:pPr lvl="1"/>
+            <a:r>
+              <a:rPr lang="en-US" dirty="0"/>
+              <a:t>Use </a:t>
+            </a:r>
+            <a:r>
+              <a:rPr lang="en-US" dirty="0" err="1"/>
+              <a:t>HelperTool</a:t>
+            </a:r>
+            <a:r>
+              <a:rPr lang="en-US" dirty="0"/>
+              <a:t> to merge all RESX files into </a:t>
+            </a:r>
+            <a:r>
+              <a:rPr lang="en-US" dirty="0" err="1"/>
+              <a:t>default.json</a:t>
+            </a:r>
             <a:endParaRPr lang="en-US" dirty="0"/>
-          </a:p>
-          <a:p>
-            <a:endParaRPr lang="en-US" dirty="0"/>
-          </a:p>
-          <a:p>
-            <a:endParaRPr lang="en-US" dirty="0"/>
-          </a:p>
-          <a:p>
-            <a:endParaRPr lang="en-US" dirty="0"/>
-          </a:p>
-          <a:p>
-            <a:endParaRPr lang="en-US" dirty="0"/>
-          </a:p>
-          <a:p>
-            <a:r>
-              <a:rPr lang="en-US" dirty="0"/>
-              <a:t>Add a measure for any string that needs to be localized</a:t>
-            </a:r>
           </a:p>
         </p:txBody>
       </p:sp>
-      <p:pic>
-        <p:nvPicPr>
-          <p:cNvPr id="4" name="Picture 3">
-            <a:extLst>
-              <a:ext uri="{FF2B5EF4-FFF2-40B4-BE49-F238E27FC236}">
-                <a16:creationId xmlns:a16="http://schemas.microsoft.com/office/drawing/2014/main" id="{B9A204EE-3FE0-40F6-9A32-93C5F47D0D55}"/>
-              </a:ext>
-            </a:extLst>
-          </p:cNvPr>
-          <p:cNvPicPr>
-            <a:picLocks noChangeAspect="1"/>
-          </p:cNvPicPr>
-          <p:nvPr/>
-        </p:nvPicPr>
-        <p:blipFill rotWithShape="1">
-          <a:blip r:embed="rId2"/>
-          <a:srcRect l="9794" t="27465" r="68253" b="65468"/>
-          <a:stretch/>
-        </p:blipFill>
-        <p:spPr>
-          <a:xfrm>
-            <a:off x="1211200" y="5537202"/>
-            <a:ext cx="3857935" cy="627018"/>
-          </a:xfrm>
-          <a:prstGeom prst="rect">
-            <a:avLst/>
-          </a:prstGeom>
-          <a:ln>
-            <a:solidFill>
-              <a:schemeClr val="tx1">
-                <a:lumMod val="65000"/>
-                <a:lumOff val="35000"/>
-              </a:schemeClr>
-            </a:solidFill>
-          </a:ln>
-        </p:spPr>
-      </p:pic>
-      <p:pic>
-        <p:nvPicPr>
-          <p:cNvPr id="5" name="Picture 4">
-            <a:extLst>
-              <a:ext uri="{FF2B5EF4-FFF2-40B4-BE49-F238E27FC236}">
-                <a16:creationId xmlns:a16="http://schemas.microsoft.com/office/drawing/2014/main" id="{B693FCB0-B915-486D-88AA-07EE72780197}"/>
-              </a:ext>
-            </a:extLst>
-          </p:cNvPr>
-          <p:cNvPicPr>
-            <a:picLocks noChangeAspect="1"/>
-          </p:cNvPicPr>
-          <p:nvPr/>
-        </p:nvPicPr>
-        <p:blipFill rotWithShape="1">
-          <a:blip r:embed="rId2"/>
-          <a:srcRect l="79609" t="29307" r="-1563" b="30657"/>
-          <a:stretch/>
-        </p:blipFill>
-        <p:spPr>
-          <a:xfrm>
-            <a:off x="1211199" y="2354531"/>
-            <a:ext cx="2729809" cy="2513388"/>
-          </a:xfrm>
-          <a:prstGeom prst="rect">
-            <a:avLst/>
-          </a:prstGeom>
-          <a:ln>
-            <a:solidFill>
-              <a:schemeClr val="tx1">
-                <a:lumMod val="50000"/>
-                <a:lumOff val="50000"/>
-              </a:schemeClr>
-            </a:solidFill>
-          </a:ln>
-        </p:spPr>
-      </p:pic>
     </p:spTree>
     <p:extLst>
       <p:ext uri="{BB962C8B-B14F-4D97-AF65-F5344CB8AC3E}">
-        <p14:creationId xmlns:p14="http://schemas.microsoft.com/office/powerpoint/2010/main" val="2793860950"/>
+        <p14:creationId xmlns:p14="http://schemas.microsoft.com/office/powerpoint/2010/main" val="1874202415"/>
       </p:ext>
     </p:extLst>
   </p:cSld>
@@ -8006,12 +8012,6 @@
 </file>
 
 <file path=customXml/item1.xml><?xml version="1.0" encoding="utf-8"?>
-<p:properties xmlns:p="http://schemas.microsoft.com/office/2006/metadata/properties" xmlns:xsi="http://www.w3.org/2001/XMLSchema-instance" xmlns:pc="http://schemas.microsoft.com/office/infopath/2007/PartnerControls">
-  <documentManagement/>
-</p:properties>
-</file>
-
-<file path=customXml/item2.xml><?xml version="1.0" encoding="utf-8"?>
 <ct:contentTypeSchema xmlns:ct="http://schemas.microsoft.com/office/2006/metadata/contentType" xmlns:ma="http://schemas.microsoft.com/office/2006/metadata/properties/metaAttributes" ct:_="" ma:_="" ma:contentTypeName="Document" ma:contentTypeID="0x0101000937CBA2829AB54C847AA138BDB6DD62" ma:contentTypeVersion="6" ma:contentTypeDescription="Create a new document." ma:contentTypeScope="" ma:versionID="0f7e39fa3406a6f330081ac46f53a9d2">
   <xsd:schema xmlns:xsd="http://www.w3.org/2001/XMLSchema" xmlns:xs="http://www.w3.org/2001/XMLSchema" xmlns:p="http://schemas.microsoft.com/office/2006/metadata/properties" xmlns:ns2="ef38329b-e139-4eb4-9d7a-1b84c79a6610" targetNamespace="http://schemas.microsoft.com/office/2006/metadata/properties" ma:root="true" ma:fieldsID="c5e10262f8d934c139771ac03f38712c" ns2:_="">
     <xsd:import namespace="ef38329b-e139-4eb4-9d7a-1b84c79a6610"/>
@@ -8163,6 +8163,12 @@
 </ct:contentTypeSchema>
 </file>
 
+<file path=customXml/item2.xml><?xml version="1.0" encoding="utf-8"?>
+<p:properties xmlns:p="http://schemas.microsoft.com/office/2006/metadata/properties" xmlns:xsi="http://www.w3.org/2001/XMLSchema-instance" xmlns:pc="http://schemas.microsoft.com/office/infopath/2007/PartnerControls">
+  <documentManagement/>
+</p:properties>
+</file>
+
 <file path=customXml/item3.xml><?xml version="1.0" encoding="utf-8"?>
 <?mso-contentType ?>
 <FormTemplates xmlns="http://schemas.microsoft.com/sharepoint/v3/contenttype/forms">
@@ -8173,22 +8179,6 @@
 </file>
 
 <file path=customXml/itemProps1.xml><?xml version="1.0" encoding="utf-8"?>
-<ds:datastoreItem xmlns:ds="http://schemas.openxmlformats.org/officeDocument/2006/customXml" ds:itemID="{F990F116-B58F-4255-B05B-DA3808E0E5C6}">
-  <ds:schemaRefs>
-    <ds:schemaRef ds:uri="http://schemas.openxmlformats.org/package/2006/metadata/core-properties"/>
-    <ds:schemaRef ds:uri="http://schemas.microsoft.com/office/2006/metadata/properties"/>
-    <ds:schemaRef ds:uri="ef38329b-e139-4eb4-9d7a-1b84c79a6610"/>
-    <ds:schemaRef ds:uri="http://purl.org/dc/terms/"/>
-    <ds:schemaRef ds:uri="http://purl.org/dc/dcmitype/"/>
-    <ds:schemaRef ds:uri="http://schemas.microsoft.com/office/2006/documentManagement/types"/>
-    <ds:schemaRef ds:uri="http://www.w3.org/XML/1998/namespace"/>
-    <ds:schemaRef ds:uri="http://schemas.microsoft.com/office/infopath/2007/PartnerControls"/>
-    <ds:schemaRef ds:uri="http://purl.org/dc/elements/1.1/"/>
-  </ds:schemaRefs>
-</ds:datastoreItem>
-</file>
-
-<file path=customXml/itemProps2.xml><?xml version="1.0" encoding="utf-8"?>
 <ds:datastoreItem xmlns:ds="http://schemas.openxmlformats.org/officeDocument/2006/customXml" ds:itemID="{A4052A8C-2220-4E4B-95E2-C05C9863F10E}">
   <ds:schemaRefs>
     <ds:schemaRef ds:uri="ef38329b-e139-4eb4-9d7a-1b84c79a6610"/>
@@ -8202,6 +8192,22 @@
     <ds:schemaRef ds:uri="http://schemas.microsoft.com/office/infopath/2007/PartnerControls"/>
     <ds:schemaRef ds:uri="http://schemas.openxmlformats.org/package/2006/metadata/core-properties"/>
     <ds:schemaRef ds:uri="http://www.w3.org/2001/XMLSchema"/>
+  </ds:schemaRefs>
+</ds:datastoreItem>
+</file>
+
+<file path=customXml/itemProps2.xml><?xml version="1.0" encoding="utf-8"?>
+<ds:datastoreItem xmlns:ds="http://schemas.openxmlformats.org/officeDocument/2006/customXml" ds:itemID="{F990F116-B58F-4255-B05B-DA3808E0E5C6}">
+  <ds:schemaRefs>
+    <ds:schemaRef ds:uri="http://schemas.openxmlformats.org/package/2006/metadata/core-properties"/>
+    <ds:schemaRef ds:uri="http://schemas.microsoft.com/office/2006/metadata/properties"/>
+    <ds:schemaRef ds:uri="ef38329b-e139-4eb4-9d7a-1b84c79a6610"/>
+    <ds:schemaRef ds:uri="http://purl.org/dc/terms/"/>
+    <ds:schemaRef ds:uri="http://purl.org/dc/dcmitype/"/>
+    <ds:schemaRef ds:uri="http://schemas.microsoft.com/office/2006/documentManagement/types"/>
+    <ds:schemaRef ds:uri="http://www.w3.org/XML/1998/namespace"/>
+    <ds:schemaRef ds:uri="http://schemas.microsoft.com/office/infopath/2007/PartnerControls"/>
+    <ds:schemaRef ds:uri="http://purl.org/dc/elements/1.1/"/>
   </ds:schemaRefs>
 </ds:datastoreItem>
 </file>
